--- a/Propuesta de Proyecto.pptx
+++ b/Propuesta de Proyecto.pptx
@@ -108,6 +108,11 @@
       </a:defRPr>
     </a:lvl9pPr>
   </p:defaultTextStyle>
+  <p:extLst>
+    <p:ext uri="{EFAFB233-063F-42B5-8137-9DF3F51BA10A}">
+      <p15:sldGuideLst xmlns:p15="http://schemas.microsoft.com/office/powerpoint/2012/main"/>
+    </p:ext>
+  </p:extLst>
 </p:presentation>
 </file>
 
@@ -7513,23 +7518,7 @@
                   <a:schemeClr val="bg1"/>
                 </a:solidFill>
               </a:rPr>
-              <a:t>Construcción de </a:t>
-            </a:r>
-            <a:r>
-              <a:rPr lang="es-PE" sz="5200" dirty="0" err="1">
-                <a:solidFill>
-                  <a:schemeClr val="bg1"/>
-                </a:solidFill>
-              </a:rPr>
-              <a:t>Sftw</a:t>
-            </a:r>
-            <a:r>
-              <a:rPr lang="es-PE" sz="5200" dirty="0">
-                <a:solidFill>
-                  <a:schemeClr val="bg1"/>
-                </a:solidFill>
-              </a:rPr>
-              <a:t> i</a:t>
+              <a:t>Construcción de Software i</a:t>
             </a:r>
           </a:p>
         </p:txBody>
@@ -9764,7 +9753,7 @@
             </a:pPr>
             <a:r>
               <a:rPr lang="es-PE" dirty="0"/>
-              <a:t> La aplicación también tendrá la función de </a:t>
+              <a:t> La aplicación también tendrá la función de visualizar para </a:t>
             </a:r>
             <a:r>
               <a:rPr lang="es-PE" u="sng" dirty="0"/>
@@ -9772,8 +9761,22 @@
             </a:r>
             <a:r>
               <a:rPr lang="es-PE" dirty="0"/>
-              <a:t> a las personas mostrando en un mapa de nuestra localidad los focos de infección en tiempo real según la base de datos del ministerio de salud y nuestro propio sistema de detección. </a:t>
+              <a:t> las zonas de mayor riesgo de infección en tiempo real según la base de datos del ministerio de salud y nuestro propio sistema de detección. </a:t>
             </a:r>
+          </a:p>
+          <a:p>
+            <a:pPr>
+              <a:buFont typeface="Wingdings" panose="05000000000000000000" pitchFamily="2" charset="2"/>
+              <a:buChar char="v"/>
+            </a:pPr>
+            <a:endParaRPr lang="es-PE" dirty="0"/>
+          </a:p>
+          <a:p>
+            <a:pPr>
+              <a:buFont typeface="Wingdings" panose="05000000000000000000" pitchFamily="2" charset="2"/>
+              <a:buChar char="v"/>
+            </a:pPr>
+            <a:endParaRPr lang="es-PE" dirty="0"/>
           </a:p>
           <a:p>
             <a:pPr>
